--- a/Distributed Robotic Beamforming/Alex Slides/jan 31 23.pptx
+++ b/Distributed Robotic Beamforming/Alex Slides/jan 31 23.pptx
@@ -8,6 +8,10 @@
     <p:sldId id="256" r:id="rId2"/>
     <p:sldId id="258" r:id="rId3"/>
     <p:sldId id="257" r:id="rId4"/>
+    <p:sldId id="259" r:id="rId5"/>
+    <p:sldId id="261" r:id="rId6"/>
+    <p:sldId id="262" r:id="rId7"/>
+    <p:sldId id="260" r:id="rId8"/>
   </p:sldIdLst>
   <p:sldSz cx="12192000" cy="6858000"/>
   <p:notesSz cx="6858000" cy="9144000"/>
@@ -106,6 +110,11 @@
       </a:defRPr>
     </a:lvl9pPr>
   </p:defaultTextStyle>
+  <p:extLst>
+    <p:ext uri="{EFAFB233-063F-42B5-8137-9DF3F51BA10A}">
+      <p15:sldGuideLst xmlns:p15="http://schemas.microsoft.com/office/powerpoint/2012/main"/>
+    </p:ext>
+  </p:extLst>
 </p:presentation>
 </file>
 
@@ -256,7 +265,7 @@
           <a:p>
             <a:fld id="{369E47AF-D7FA-4737-9FE9-D00A0D13746A}" type="datetimeFigureOut">
               <a:rPr lang="en-US" smtClean="0"/>
-              <a:t>1/30/2023</a:t>
+              <a:t>1/31/2023</a:t>
             </a:fld>
             <a:endParaRPr lang="en-US"/>
           </a:p>
@@ -454,7 +463,7 @@
           <a:p>
             <a:fld id="{369E47AF-D7FA-4737-9FE9-D00A0D13746A}" type="datetimeFigureOut">
               <a:rPr lang="en-US" smtClean="0"/>
-              <a:t>1/30/2023</a:t>
+              <a:t>1/31/2023</a:t>
             </a:fld>
             <a:endParaRPr lang="en-US"/>
           </a:p>
@@ -662,7 +671,7 @@
           <a:p>
             <a:fld id="{369E47AF-D7FA-4737-9FE9-D00A0D13746A}" type="datetimeFigureOut">
               <a:rPr lang="en-US" smtClean="0"/>
-              <a:t>1/30/2023</a:t>
+              <a:t>1/31/2023</a:t>
             </a:fld>
             <a:endParaRPr lang="en-US"/>
           </a:p>
@@ -860,7 +869,7 @@
           <a:p>
             <a:fld id="{369E47AF-D7FA-4737-9FE9-D00A0D13746A}" type="datetimeFigureOut">
               <a:rPr lang="en-US" smtClean="0"/>
-              <a:t>1/30/2023</a:t>
+              <a:t>1/31/2023</a:t>
             </a:fld>
             <a:endParaRPr lang="en-US"/>
           </a:p>
@@ -1135,7 +1144,7 @@
           <a:p>
             <a:fld id="{369E47AF-D7FA-4737-9FE9-D00A0D13746A}" type="datetimeFigureOut">
               <a:rPr lang="en-US" smtClean="0"/>
-              <a:t>1/30/2023</a:t>
+              <a:t>1/31/2023</a:t>
             </a:fld>
             <a:endParaRPr lang="en-US"/>
           </a:p>
@@ -1400,7 +1409,7 @@
           <a:p>
             <a:fld id="{369E47AF-D7FA-4737-9FE9-D00A0D13746A}" type="datetimeFigureOut">
               <a:rPr lang="en-US" smtClean="0"/>
-              <a:t>1/30/2023</a:t>
+              <a:t>1/31/2023</a:t>
             </a:fld>
             <a:endParaRPr lang="en-US"/>
           </a:p>
@@ -1812,7 +1821,7 @@
           <a:p>
             <a:fld id="{369E47AF-D7FA-4737-9FE9-D00A0D13746A}" type="datetimeFigureOut">
               <a:rPr lang="en-US" smtClean="0"/>
-              <a:t>1/30/2023</a:t>
+              <a:t>1/31/2023</a:t>
             </a:fld>
             <a:endParaRPr lang="en-US"/>
           </a:p>
@@ -1953,7 +1962,7 @@
           <a:p>
             <a:fld id="{369E47AF-D7FA-4737-9FE9-D00A0D13746A}" type="datetimeFigureOut">
               <a:rPr lang="en-US" smtClean="0"/>
-              <a:t>1/30/2023</a:t>
+              <a:t>1/31/2023</a:t>
             </a:fld>
             <a:endParaRPr lang="en-US"/>
           </a:p>
@@ -2066,7 +2075,7 @@
           <a:p>
             <a:fld id="{369E47AF-D7FA-4737-9FE9-D00A0D13746A}" type="datetimeFigureOut">
               <a:rPr lang="en-US" smtClean="0"/>
-              <a:t>1/30/2023</a:t>
+              <a:t>1/31/2023</a:t>
             </a:fld>
             <a:endParaRPr lang="en-US"/>
           </a:p>
@@ -2377,7 +2386,7 @@
           <a:p>
             <a:fld id="{369E47AF-D7FA-4737-9FE9-D00A0D13746A}" type="datetimeFigureOut">
               <a:rPr lang="en-US" smtClean="0"/>
-              <a:t>1/30/2023</a:t>
+              <a:t>1/31/2023</a:t>
             </a:fld>
             <a:endParaRPr lang="en-US"/>
           </a:p>
@@ -2665,7 +2674,7 @@
           <a:p>
             <a:fld id="{369E47AF-D7FA-4737-9FE9-D00A0D13746A}" type="datetimeFigureOut">
               <a:rPr lang="en-US" smtClean="0"/>
-              <a:t>1/30/2023</a:t>
+              <a:t>1/31/2023</a:t>
             </a:fld>
             <a:endParaRPr lang="en-US"/>
           </a:p>
@@ -2906,7 +2915,7 @@
           <a:p>
             <a:fld id="{369E47AF-D7FA-4737-9FE9-D00A0D13746A}" type="datetimeFigureOut">
               <a:rPr lang="en-US" smtClean="0"/>
-              <a:t>1/30/2023</a:t>
+              <a:t>1/31/2023</a:t>
             </a:fld>
             <a:endParaRPr lang="en-US"/>
           </a:p>
@@ -3445,6 +3454,55 @@
           </a:prstGeom>
         </p:spPr>
       </p:pic>
+      <p:sp>
+        <p:nvSpPr>
+          <p:cNvPr id="4" name="TextBox 3">
+            <a:extLst>
+              <a:ext uri="{FF2B5EF4-FFF2-40B4-BE49-F238E27FC236}">
+                <a16:creationId xmlns:a16="http://schemas.microsoft.com/office/drawing/2014/main" id="{13A56CA0-2890-000F-FFAF-7CA20141DE6E}"/>
+              </a:ext>
+            </a:extLst>
+          </p:cNvPr>
+          <p:cNvSpPr txBox="1"/>
+          <p:nvPr/>
+        </p:nvSpPr>
+        <p:spPr>
+          <a:xfrm>
+            <a:off x="0" y="0"/>
+            <a:ext cx="8832483" cy="646331"/>
+          </a:xfrm>
+          <a:prstGeom prst="rect">
+            <a:avLst/>
+          </a:prstGeom>
+          <a:noFill/>
+        </p:spPr>
+        <p:txBody>
+          <a:bodyPr wrap="none" rtlCol="0">
+            <a:spAutoFit/>
+          </a:bodyPr>
+          <a:lstStyle/>
+          <a:p>
+            <a:pPr marL="285750" indent="-285750">
+              <a:buFont typeface="Arial" panose="020B0604020202020204" pitchFamily="34" charset="0"/>
+              <a:buChar char="•"/>
+            </a:pPr>
+            <a:r>
+              <a:rPr lang="en-US" dirty="0"/>
+              <a:t>Initial experiment: randomly placed agents, SBL to prune, IPG to further optimize weights</a:t>
+            </a:r>
+          </a:p>
+          <a:p>
+            <a:pPr marL="285750" indent="-285750">
+              <a:buFont typeface="Arial" panose="020B0604020202020204" pitchFamily="34" charset="0"/>
+              <a:buChar char="•"/>
+            </a:pPr>
+            <a:r>
+              <a:rPr lang="en-US" dirty="0"/>
+              <a:t>38 reference agents (used to form beam) &lt; 36 test agents (used in optimizer)</a:t>
+            </a:r>
+          </a:p>
+        </p:txBody>
+      </p:sp>
     </p:spTree>
     <p:extLst>
       <p:ext uri="{BB962C8B-B14F-4D97-AF65-F5344CB8AC3E}">
@@ -3475,31 +3533,6 @@
           <a:chExt cx="0" cy="0"/>
         </a:xfrm>
       </p:grpSpPr>
-      <p:sp>
-        <p:nvSpPr>
-          <p:cNvPr id="2" name="Title 1">
-            <a:extLst>
-              <a:ext uri="{FF2B5EF4-FFF2-40B4-BE49-F238E27FC236}">
-                <a16:creationId xmlns:a16="http://schemas.microsoft.com/office/drawing/2014/main" id="{83DE9DD6-E825-BD7D-7EC8-3D97DFC8FF54}"/>
-              </a:ext>
-            </a:extLst>
-          </p:cNvPr>
-          <p:cNvSpPr>
-            <a:spLocks noGrp="1"/>
-          </p:cNvSpPr>
-          <p:nvPr>
-            <p:ph type="title"/>
-          </p:nvPr>
-        </p:nvSpPr>
-        <p:spPr/>
-        <p:txBody>
-          <a:bodyPr/>
-          <a:lstStyle/>
-          <a:p>
-            <a:endParaRPr lang="en-US"/>
-          </a:p>
-        </p:txBody>
-      </p:sp>
       <p:pic>
         <p:nvPicPr>
           <p:cNvPr id="5" name="Content Placeholder 4" descr="Chart, histogram&#10;&#10;Description automatically generated">
@@ -3530,7 +3563,7 @@
         </p:blipFill>
         <p:spPr>
           <a:xfrm>
-            <a:off x="5911276" y="2262551"/>
+            <a:off x="5911276" y="1398484"/>
             <a:ext cx="5333333" cy="4000000"/>
           </a:xfrm>
         </p:spPr>
@@ -3563,7 +3596,7 @@
         </p:blipFill>
         <p:spPr>
           <a:xfrm>
-            <a:off x="462198" y="2262551"/>
+            <a:off x="462198" y="1398484"/>
             <a:ext cx="5333333" cy="4000000"/>
           </a:xfrm>
           <a:prstGeom prst="rect">
@@ -3571,6 +3604,125 @@
           </a:prstGeom>
         </p:spPr>
       </p:pic>
+      <p:sp>
+        <p:nvSpPr>
+          <p:cNvPr id="3" name="TextBox 2">
+            <a:extLst>
+              <a:ext uri="{FF2B5EF4-FFF2-40B4-BE49-F238E27FC236}">
+                <a16:creationId xmlns:a16="http://schemas.microsoft.com/office/drawing/2014/main" id="{C03A1D47-5027-92EB-F3A7-F4F336E47E8E}"/>
+              </a:ext>
+            </a:extLst>
+          </p:cNvPr>
+          <p:cNvSpPr txBox="1"/>
+          <p:nvPr/>
+        </p:nvSpPr>
+        <p:spPr>
+          <a:xfrm>
+            <a:off x="0" y="0"/>
+            <a:ext cx="8962069" cy="646331"/>
+          </a:xfrm>
+          <a:prstGeom prst="rect">
+            <a:avLst/>
+          </a:prstGeom>
+          <a:noFill/>
+        </p:spPr>
+        <p:txBody>
+          <a:bodyPr wrap="none" rtlCol="0">
+            <a:spAutoFit/>
+          </a:bodyPr>
+          <a:lstStyle/>
+          <a:p>
+            <a:pPr marL="285750" indent="-285750">
+              <a:buFont typeface="Arial" panose="020B0604020202020204" pitchFamily="34" charset="0"/>
+              <a:buChar char="•"/>
+            </a:pPr>
+            <a:r>
+              <a:rPr lang="en-US" dirty="0"/>
+              <a:t>Speed gain consistent with having fewer overall agents</a:t>
+            </a:r>
+          </a:p>
+          <a:p>
+            <a:pPr marL="285750" indent="-285750">
+              <a:buFont typeface="Arial" panose="020B0604020202020204" pitchFamily="34" charset="0"/>
+              <a:buChar char="•"/>
+            </a:pPr>
+            <a:r>
+              <a:rPr lang="en-US" dirty="0"/>
+              <a:t>Random agent grids caused divergences with one level IPG, no divergences under two level</a:t>
+            </a:r>
+          </a:p>
+        </p:txBody>
+      </p:sp>
+      <p:sp>
+        <p:nvSpPr>
+          <p:cNvPr id="4" name="TextBox 3">
+            <a:extLst>
+              <a:ext uri="{FF2B5EF4-FFF2-40B4-BE49-F238E27FC236}">
+                <a16:creationId xmlns:a16="http://schemas.microsoft.com/office/drawing/2014/main" id="{9EFE604E-C645-AEFD-B1E8-F752AF5BE863}"/>
+              </a:ext>
+            </a:extLst>
+          </p:cNvPr>
+          <p:cNvSpPr txBox="1"/>
+          <p:nvPr/>
+        </p:nvSpPr>
+        <p:spPr>
+          <a:xfrm>
+            <a:off x="2633375" y="1111325"/>
+            <a:ext cx="990977" cy="369332"/>
+          </a:xfrm>
+          <a:prstGeom prst="rect">
+            <a:avLst/>
+          </a:prstGeom>
+          <a:noFill/>
+        </p:spPr>
+        <p:txBody>
+          <a:bodyPr wrap="none" rtlCol="0">
+            <a:spAutoFit/>
+          </a:bodyPr>
+          <a:lstStyle/>
+          <a:p>
+            <a:r>
+              <a:rPr lang="en-US" dirty="0"/>
+              <a:t>IPG Only</a:t>
+            </a:r>
+          </a:p>
+        </p:txBody>
+      </p:sp>
+      <p:sp>
+        <p:nvSpPr>
+          <p:cNvPr id="6" name="TextBox 5">
+            <a:extLst>
+              <a:ext uri="{FF2B5EF4-FFF2-40B4-BE49-F238E27FC236}">
+                <a16:creationId xmlns:a16="http://schemas.microsoft.com/office/drawing/2014/main" id="{09FA99F4-03E0-BBFB-7A06-91062F36F4FE}"/>
+              </a:ext>
+            </a:extLst>
+          </p:cNvPr>
+          <p:cNvSpPr txBox="1"/>
+          <p:nvPr/>
+        </p:nvSpPr>
+        <p:spPr>
+          <a:xfrm>
+            <a:off x="8082453" y="1115303"/>
+            <a:ext cx="1358064" cy="369332"/>
+          </a:xfrm>
+          <a:prstGeom prst="rect">
+            <a:avLst/>
+          </a:prstGeom>
+          <a:noFill/>
+        </p:spPr>
+        <p:txBody>
+          <a:bodyPr wrap="none" rtlCol="0">
+            <a:spAutoFit/>
+          </a:bodyPr>
+          <a:lstStyle/>
+          <a:p>
+            <a:r>
+              <a:rPr lang="en-US" dirty="0"/>
+              <a:t>IPG with SBL</a:t>
+            </a:r>
+          </a:p>
+        </p:txBody>
+      </p:sp>
     </p:spTree>
     <p:extLst>
       <p:ext uri="{BB962C8B-B14F-4D97-AF65-F5344CB8AC3E}">
@@ -3601,31 +3753,6 @@
           <a:chExt cx="0" cy="0"/>
         </a:xfrm>
       </p:grpSpPr>
-      <p:sp>
-        <p:nvSpPr>
-          <p:cNvPr id="2" name="Title 1">
-            <a:extLst>
-              <a:ext uri="{FF2B5EF4-FFF2-40B4-BE49-F238E27FC236}">
-                <a16:creationId xmlns:a16="http://schemas.microsoft.com/office/drawing/2014/main" id="{57B64536-9B36-7A72-E965-01FA624F45B7}"/>
-              </a:ext>
-            </a:extLst>
-          </p:cNvPr>
-          <p:cNvSpPr>
-            <a:spLocks noGrp="1"/>
-          </p:cNvSpPr>
-          <p:nvPr>
-            <p:ph type="title"/>
-          </p:nvPr>
-        </p:nvSpPr>
-        <p:spPr/>
-        <p:txBody>
-          <a:bodyPr/>
-          <a:lstStyle/>
-          <a:p>
-            <a:endParaRPr lang="en-US"/>
-          </a:p>
-        </p:txBody>
-      </p:sp>
       <p:pic>
         <p:nvPicPr>
           <p:cNvPr id="7" name="Picture 6" descr="Diagram&#10;&#10;Description automatically generated">
@@ -3697,10 +3824,847 @@
           </a:xfrm>
         </p:spPr>
       </p:pic>
+      <p:sp>
+        <p:nvSpPr>
+          <p:cNvPr id="3" name="TextBox 2">
+            <a:extLst>
+              <a:ext uri="{FF2B5EF4-FFF2-40B4-BE49-F238E27FC236}">
+                <a16:creationId xmlns:a16="http://schemas.microsoft.com/office/drawing/2014/main" id="{2D7149A2-A498-C657-7286-1456567F9F97}"/>
+              </a:ext>
+            </a:extLst>
+          </p:cNvPr>
+          <p:cNvSpPr txBox="1"/>
+          <p:nvPr/>
+        </p:nvSpPr>
+        <p:spPr>
+          <a:xfrm>
+            <a:off x="0" y="0"/>
+            <a:ext cx="4772845" cy="369332"/>
+          </a:xfrm>
+          <a:prstGeom prst="rect">
+            <a:avLst/>
+          </a:prstGeom>
+          <a:noFill/>
+        </p:spPr>
+        <p:txBody>
+          <a:bodyPr wrap="none" rtlCol="0">
+            <a:spAutoFit/>
+          </a:bodyPr>
+          <a:lstStyle/>
+          <a:p>
+            <a:pPr marL="285750" indent="-285750">
+              <a:buFont typeface="Arial" panose="020B0604020202020204" pitchFamily="34" charset="0"/>
+              <a:buChar char="•"/>
+            </a:pPr>
+            <a:r>
+              <a:rPr lang="en-US" dirty="0"/>
+              <a:t>Faster error reduction without pruning agents</a:t>
+            </a:r>
+          </a:p>
+        </p:txBody>
+      </p:sp>
+      <p:sp>
+        <p:nvSpPr>
+          <p:cNvPr id="4" name="TextBox 3">
+            <a:extLst>
+              <a:ext uri="{FF2B5EF4-FFF2-40B4-BE49-F238E27FC236}">
+                <a16:creationId xmlns:a16="http://schemas.microsoft.com/office/drawing/2014/main" id="{05B6C1D3-040E-67FA-58EB-5B98E799EF2C}"/>
+              </a:ext>
+            </a:extLst>
+          </p:cNvPr>
+          <p:cNvSpPr txBox="1"/>
+          <p:nvPr/>
+        </p:nvSpPr>
+        <p:spPr>
+          <a:xfrm>
+            <a:off x="2493001" y="1151558"/>
+            <a:ext cx="990977" cy="369332"/>
+          </a:xfrm>
+          <a:prstGeom prst="rect">
+            <a:avLst/>
+          </a:prstGeom>
+          <a:noFill/>
+        </p:spPr>
+        <p:txBody>
+          <a:bodyPr wrap="none" rtlCol="0">
+            <a:spAutoFit/>
+          </a:bodyPr>
+          <a:lstStyle/>
+          <a:p>
+            <a:r>
+              <a:rPr lang="en-US" dirty="0"/>
+              <a:t>IPG Only</a:t>
+            </a:r>
+          </a:p>
+        </p:txBody>
+      </p:sp>
+      <p:sp>
+        <p:nvSpPr>
+          <p:cNvPr id="5" name="TextBox 4">
+            <a:extLst>
+              <a:ext uri="{FF2B5EF4-FFF2-40B4-BE49-F238E27FC236}">
+                <a16:creationId xmlns:a16="http://schemas.microsoft.com/office/drawing/2014/main" id="{517A7A5B-CD74-6375-BC74-384A486BD46B}"/>
+              </a:ext>
+            </a:extLst>
+          </p:cNvPr>
+          <p:cNvSpPr txBox="1"/>
+          <p:nvPr/>
+        </p:nvSpPr>
+        <p:spPr>
+          <a:xfrm>
+            <a:off x="8340935" y="1151558"/>
+            <a:ext cx="1358064" cy="369332"/>
+          </a:xfrm>
+          <a:prstGeom prst="rect">
+            <a:avLst/>
+          </a:prstGeom>
+          <a:noFill/>
+        </p:spPr>
+        <p:txBody>
+          <a:bodyPr wrap="none" rtlCol="0">
+            <a:spAutoFit/>
+          </a:bodyPr>
+          <a:lstStyle/>
+          <a:p>
+            <a:r>
+              <a:rPr lang="en-US" dirty="0"/>
+              <a:t>IPG with SBL</a:t>
+            </a:r>
+          </a:p>
+        </p:txBody>
+      </p:sp>
     </p:spTree>
     <p:extLst>
       <p:ext uri="{BB962C8B-B14F-4D97-AF65-F5344CB8AC3E}">
         <p14:creationId xmlns:p14="http://schemas.microsoft.com/office/powerpoint/2010/main" val="1873573792"/>
+      </p:ext>
+    </p:extLst>
+  </p:cSld>
+  <p:clrMapOvr>
+    <a:masterClrMapping/>
+  </p:clrMapOvr>
+</p:sld>
+</file>
+
+<file path=ppt/slides/slide4.xml><?xml version="1.0" encoding="utf-8"?>
+<p:sld xmlns:a="http://schemas.openxmlformats.org/drawingml/2006/main" xmlns:r="http://schemas.openxmlformats.org/officeDocument/2006/relationships" xmlns:p="http://schemas.openxmlformats.org/presentationml/2006/main">
+  <p:cSld>
+    <p:spTree>
+      <p:nvGrpSpPr>
+        <p:cNvPr id="1" name=""/>
+        <p:cNvGrpSpPr/>
+        <p:nvPr/>
+      </p:nvGrpSpPr>
+      <p:grpSpPr>
+        <a:xfrm>
+          <a:off x="0" y="0"/>
+          <a:ext cx="0" cy="0"/>
+          <a:chOff x="0" y="0"/>
+          <a:chExt cx="0" cy="0"/>
+        </a:xfrm>
+      </p:grpSpPr>
+      <p:sp>
+        <p:nvSpPr>
+          <p:cNvPr id="6" name="TextBox 5">
+            <a:extLst>
+              <a:ext uri="{FF2B5EF4-FFF2-40B4-BE49-F238E27FC236}">
+                <a16:creationId xmlns:a16="http://schemas.microsoft.com/office/drawing/2014/main" id="{AC457FE2-5A25-FE4A-F315-0330DE57F93C}"/>
+              </a:ext>
+            </a:extLst>
+          </p:cNvPr>
+          <p:cNvSpPr txBox="1"/>
+          <p:nvPr/>
+        </p:nvSpPr>
+        <p:spPr>
+          <a:xfrm>
+            <a:off x="0" y="0"/>
+            <a:ext cx="10731977" cy="646331"/>
+          </a:xfrm>
+          <a:prstGeom prst="rect">
+            <a:avLst/>
+          </a:prstGeom>
+          <a:noFill/>
+        </p:spPr>
+        <p:txBody>
+          <a:bodyPr wrap="none" rtlCol="0">
+            <a:spAutoFit/>
+          </a:bodyPr>
+          <a:lstStyle/>
+          <a:p>
+            <a:pPr marL="285750" indent="-285750">
+              <a:buFont typeface="Arial" panose="020B0604020202020204" pitchFamily="34" charset="0"/>
+              <a:buChar char="•"/>
+            </a:pPr>
+            <a:r>
+              <a:rPr lang="en-US" dirty="0"/>
+              <a:t>Ran two level (SBL + IPG for weights) on 36 node grid data</a:t>
+            </a:r>
+          </a:p>
+          <a:p>
+            <a:pPr marL="285750" indent="-285750">
+              <a:buFont typeface="Arial" panose="020B0604020202020204" pitchFamily="34" charset="0"/>
+              <a:buChar char="•"/>
+            </a:pPr>
+            <a:r>
+              <a:rPr lang="en-US" dirty="0"/>
+              <a:t>Very good performance – able to match beam formed by 38 agents after pruning down to 30 agents in test set</a:t>
+            </a:r>
+          </a:p>
+        </p:txBody>
+      </p:sp>
+      <p:pic>
+        <p:nvPicPr>
+          <p:cNvPr id="8" name="Picture 7" descr="Chart, line chart&#10;&#10;Description automatically generated">
+            <a:extLst>
+              <a:ext uri="{FF2B5EF4-FFF2-40B4-BE49-F238E27FC236}">
+                <a16:creationId xmlns:a16="http://schemas.microsoft.com/office/drawing/2014/main" id="{1ABAD988-ABDC-5D72-E399-E581A3A15137}"/>
+              </a:ext>
+            </a:extLst>
+          </p:cNvPr>
+          <p:cNvPicPr>
+            <a:picLocks noChangeAspect="1"/>
+          </p:cNvPicPr>
+          <p:nvPr/>
+        </p:nvPicPr>
+        <p:blipFill rotWithShape="1">
+          <a:blip r:embed="rId2">
+            <a:extLst>
+              <a:ext uri="{28A0092B-C50C-407E-A947-70E740481C1C}">
+                <a14:useLocalDpi xmlns:a14="http://schemas.microsoft.com/office/drawing/2010/main" val="0"/>
+              </a:ext>
+            </a:extLst>
+          </a:blip>
+          <a:srcRect l="3789" t="2654" r="8284"/>
+          <a:stretch/>
+        </p:blipFill>
+        <p:spPr>
+          <a:xfrm>
+            <a:off x="36354" y="646332"/>
+            <a:ext cx="4393039" cy="3647698"/>
+          </a:xfrm>
+          <a:prstGeom prst="rect">
+            <a:avLst/>
+          </a:prstGeom>
+        </p:spPr>
+      </p:pic>
+      <p:pic>
+        <p:nvPicPr>
+          <p:cNvPr id="5" name="Picture 4" descr="Chart, line chart&#10;&#10;Description automatically generated">
+            <a:extLst>
+              <a:ext uri="{FF2B5EF4-FFF2-40B4-BE49-F238E27FC236}">
+                <a16:creationId xmlns:a16="http://schemas.microsoft.com/office/drawing/2014/main" id="{2ADEDCEE-F137-855D-A25A-80DFA9DB5129}"/>
+              </a:ext>
+            </a:extLst>
+          </p:cNvPr>
+          <p:cNvPicPr>
+            <a:picLocks noChangeAspect="1"/>
+          </p:cNvPicPr>
+          <p:nvPr/>
+        </p:nvPicPr>
+        <p:blipFill rotWithShape="1">
+          <a:blip r:embed="rId3">
+            <a:extLst>
+              <a:ext uri="{28A0092B-C50C-407E-A947-70E740481C1C}">
+                <a14:useLocalDpi xmlns:a14="http://schemas.microsoft.com/office/drawing/2010/main" val="0"/>
+              </a:ext>
+            </a:extLst>
+          </a:blip>
+          <a:srcRect l="4156" t="2654" r="5558"/>
+          <a:stretch/>
+        </p:blipFill>
+        <p:spPr>
+          <a:xfrm>
+            <a:off x="7852095" y="646332"/>
+            <a:ext cx="4393039" cy="3552374"/>
+          </a:xfrm>
+          <a:prstGeom prst="rect">
+            <a:avLst/>
+          </a:prstGeom>
+        </p:spPr>
+      </p:pic>
+      <p:pic>
+        <p:nvPicPr>
+          <p:cNvPr id="10" name="Picture 9" descr="Chart, scatter chart&#10;&#10;Description automatically generated">
+            <a:extLst>
+              <a:ext uri="{FF2B5EF4-FFF2-40B4-BE49-F238E27FC236}">
+                <a16:creationId xmlns:a16="http://schemas.microsoft.com/office/drawing/2014/main" id="{69742CFD-55EC-BAE3-F466-9DD93A180A67}"/>
+              </a:ext>
+            </a:extLst>
+          </p:cNvPr>
+          <p:cNvPicPr>
+            <a:picLocks noChangeAspect="1"/>
+          </p:cNvPicPr>
+          <p:nvPr/>
+        </p:nvPicPr>
+        <p:blipFill rotWithShape="1">
+          <a:blip r:embed="rId4">
+            <a:extLst>
+              <a:ext uri="{28A0092B-C50C-407E-A947-70E740481C1C}">
+                <a14:useLocalDpi xmlns:a14="http://schemas.microsoft.com/office/drawing/2010/main" val="0"/>
+              </a:ext>
+            </a:extLst>
+          </a:blip>
+          <a:srcRect l="6796" t="2654" r="7321" b="5276"/>
+          <a:stretch/>
+        </p:blipFill>
+        <p:spPr>
+          <a:xfrm>
+            <a:off x="4429393" y="3829954"/>
+            <a:ext cx="3745693" cy="3011648"/>
+          </a:xfrm>
+          <a:prstGeom prst="rect">
+            <a:avLst/>
+          </a:prstGeom>
+        </p:spPr>
+      </p:pic>
+    </p:spTree>
+    <p:extLst>
+      <p:ext uri="{BB962C8B-B14F-4D97-AF65-F5344CB8AC3E}">
+        <p14:creationId xmlns:p14="http://schemas.microsoft.com/office/powerpoint/2010/main" val="1111872613"/>
+      </p:ext>
+    </p:extLst>
+  </p:cSld>
+  <p:clrMapOvr>
+    <a:masterClrMapping/>
+  </p:clrMapOvr>
+</p:sld>
+</file>
+
+<file path=ppt/slides/slide5.xml><?xml version="1.0" encoding="utf-8"?>
+<p:sld xmlns:a="http://schemas.openxmlformats.org/drawingml/2006/main" xmlns:r="http://schemas.openxmlformats.org/officeDocument/2006/relationships" xmlns:p="http://schemas.openxmlformats.org/presentationml/2006/main">
+  <p:cSld>
+    <p:spTree>
+      <p:nvGrpSpPr>
+        <p:cNvPr id="1" name=""/>
+        <p:cNvGrpSpPr/>
+        <p:nvPr/>
+      </p:nvGrpSpPr>
+      <p:grpSpPr>
+        <a:xfrm>
+          <a:off x="0" y="0"/>
+          <a:ext cx="0" cy="0"/>
+          <a:chOff x="0" y="0"/>
+          <a:chExt cx="0" cy="0"/>
+        </a:xfrm>
+      </p:grpSpPr>
+      <p:pic>
+        <p:nvPicPr>
+          <p:cNvPr id="7" name="Picture 6" descr="Chart, line chart&#10;&#10;Description automatically generated">
+            <a:extLst>
+              <a:ext uri="{FF2B5EF4-FFF2-40B4-BE49-F238E27FC236}">
+                <a16:creationId xmlns:a16="http://schemas.microsoft.com/office/drawing/2014/main" id="{4AB749BD-C521-3229-48EB-D7231AEC525F}"/>
+              </a:ext>
+            </a:extLst>
+          </p:cNvPr>
+          <p:cNvPicPr>
+            <a:picLocks noChangeAspect="1"/>
+          </p:cNvPicPr>
+          <p:nvPr/>
+        </p:nvPicPr>
+        <p:blipFill rotWithShape="1">
+          <a:blip r:embed="rId2">
+            <a:extLst>
+              <a:ext uri="{28A0092B-C50C-407E-A947-70E740481C1C}">
+                <a14:useLocalDpi xmlns:a14="http://schemas.microsoft.com/office/drawing/2010/main" val="0"/>
+              </a:ext>
+            </a:extLst>
+          </a:blip>
+          <a:srcRect l="3179" r="7478"/>
+          <a:stretch/>
+        </p:blipFill>
+        <p:spPr>
+          <a:xfrm>
+            <a:off x="6754674" y="369494"/>
+            <a:ext cx="3991624" cy="3350823"/>
+          </a:xfrm>
+          <a:prstGeom prst="rect">
+            <a:avLst/>
+          </a:prstGeom>
+        </p:spPr>
+      </p:pic>
+      <p:sp>
+        <p:nvSpPr>
+          <p:cNvPr id="6" name="TextBox 5">
+            <a:extLst>
+              <a:ext uri="{FF2B5EF4-FFF2-40B4-BE49-F238E27FC236}">
+                <a16:creationId xmlns:a16="http://schemas.microsoft.com/office/drawing/2014/main" id="{AC457FE2-5A25-FE4A-F315-0330DE57F93C}"/>
+              </a:ext>
+            </a:extLst>
+          </p:cNvPr>
+          <p:cNvSpPr txBox="1"/>
+          <p:nvPr/>
+        </p:nvSpPr>
+        <p:spPr>
+          <a:xfrm>
+            <a:off x="0" y="0"/>
+            <a:ext cx="7501477" cy="646331"/>
+          </a:xfrm>
+          <a:prstGeom prst="rect">
+            <a:avLst/>
+          </a:prstGeom>
+          <a:noFill/>
+        </p:spPr>
+        <p:txBody>
+          <a:bodyPr wrap="none" rtlCol="0">
+            <a:spAutoFit/>
+          </a:bodyPr>
+          <a:lstStyle/>
+          <a:p>
+            <a:pPr marL="285750" indent="-285750">
+              <a:buFont typeface="Arial" panose="020B0604020202020204" pitchFamily="34" charset="0"/>
+              <a:buChar char="•"/>
+            </a:pPr>
+            <a:r>
+              <a:rPr lang="en-US" dirty="0"/>
+              <a:t>Got working implementation of IPG for agent positions</a:t>
+            </a:r>
+          </a:p>
+          <a:p>
+            <a:pPr marL="285750" indent="-285750">
+              <a:buFont typeface="Arial" panose="020B0604020202020204" pitchFamily="34" charset="0"/>
+              <a:buChar char="•"/>
+            </a:pPr>
+            <a:r>
+              <a:rPr lang="en-US" dirty="0"/>
+              <a:t>Algorithm Error never diverges but agents traverse the cost function poorly</a:t>
+            </a:r>
+          </a:p>
+        </p:txBody>
+      </p:sp>
+      <p:pic>
+        <p:nvPicPr>
+          <p:cNvPr id="3" name="Picture 2" descr="Chart, scatter chart&#10;&#10;Description automatically generated">
+            <a:extLst>
+              <a:ext uri="{FF2B5EF4-FFF2-40B4-BE49-F238E27FC236}">
+                <a16:creationId xmlns:a16="http://schemas.microsoft.com/office/drawing/2014/main" id="{CBB053E1-CD72-37CD-CA1E-02B6F871F7B7}"/>
+              </a:ext>
+            </a:extLst>
+          </p:cNvPr>
+          <p:cNvPicPr>
+            <a:picLocks noChangeAspect="1"/>
+          </p:cNvPicPr>
+          <p:nvPr/>
+        </p:nvPicPr>
+        <p:blipFill rotWithShape="1">
+          <a:blip r:embed="rId3">
+            <a:extLst>
+              <a:ext uri="{28A0092B-C50C-407E-A947-70E740481C1C}">
+                <a14:useLocalDpi xmlns:a14="http://schemas.microsoft.com/office/drawing/2010/main" val="0"/>
+              </a:ext>
+            </a:extLst>
+          </a:blip>
+          <a:srcRect l="7741" t="2445" r="7478" b="5276"/>
+          <a:stretch/>
+        </p:blipFill>
+        <p:spPr>
+          <a:xfrm>
+            <a:off x="2525089" y="554051"/>
+            <a:ext cx="3783435" cy="3088518"/>
+          </a:xfrm>
+          <a:prstGeom prst="rect">
+            <a:avLst/>
+          </a:prstGeom>
+        </p:spPr>
+      </p:pic>
+      <p:pic>
+        <p:nvPicPr>
+          <p:cNvPr id="11" name="Picture 10" descr="Chart&#10;&#10;Description automatically generated">
+            <a:extLst>
+              <a:ext uri="{FF2B5EF4-FFF2-40B4-BE49-F238E27FC236}">
+                <a16:creationId xmlns:a16="http://schemas.microsoft.com/office/drawing/2014/main" id="{63CE17CD-8D95-75DE-A73C-AF400399FF6C}"/>
+              </a:ext>
+            </a:extLst>
+          </p:cNvPr>
+          <p:cNvPicPr>
+            <a:picLocks noChangeAspect="1"/>
+          </p:cNvPicPr>
+          <p:nvPr/>
+        </p:nvPicPr>
+        <p:blipFill rotWithShape="1">
+          <a:blip r:embed="rId4">
+            <a:extLst>
+              <a:ext uri="{28A0092B-C50C-407E-A947-70E740481C1C}">
+                <a14:useLocalDpi xmlns:a14="http://schemas.microsoft.com/office/drawing/2010/main" val="0"/>
+              </a:ext>
+            </a:extLst>
+          </a:blip>
+          <a:srcRect t="2026" r="5118"/>
+          <a:stretch/>
+        </p:blipFill>
+        <p:spPr>
+          <a:xfrm>
+            <a:off x="2472636" y="3691155"/>
+            <a:ext cx="4204771" cy="3256395"/>
+          </a:xfrm>
+          <a:prstGeom prst="rect">
+            <a:avLst/>
+          </a:prstGeom>
+        </p:spPr>
+      </p:pic>
+      <p:pic>
+        <p:nvPicPr>
+          <p:cNvPr id="13" name="Picture 12" descr="Chart&#10;&#10;Description automatically generated">
+            <a:extLst>
+              <a:ext uri="{FF2B5EF4-FFF2-40B4-BE49-F238E27FC236}">
+                <a16:creationId xmlns:a16="http://schemas.microsoft.com/office/drawing/2014/main" id="{4DFC03BF-6B08-4076-0EBE-B9B237357EF5}"/>
+              </a:ext>
+            </a:extLst>
+          </p:cNvPr>
+          <p:cNvPicPr>
+            <a:picLocks noChangeAspect="1"/>
+          </p:cNvPicPr>
+          <p:nvPr/>
+        </p:nvPicPr>
+        <p:blipFill>
+          <a:blip r:embed="rId5">
+            <a:extLst>
+              <a:ext uri="{28A0092B-C50C-407E-A947-70E740481C1C}">
+                <a14:useLocalDpi xmlns:a14="http://schemas.microsoft.com/office/drawing/2010/main" val="0"/>
+              </a:ext>
+            </a:extLst>
+          </a:blip>
+          <a:stretch>
+            <a:fillRect/>
+          </a:stretch>
+        </p:blipFill>
+        <p:spPr>
+          <a:xfrm>
+            <a:off x="6897288" y="3792417"/>
+            <a:ext cx="3849010" cy="3065583"/>
+          </a:xfrm>
+          <a:prstGeom prst="rect">
+            <a:avLst/>
+          </a:prstGeom>
+        </p:spPr>
+      </p:pic>
+      <p:sp>
+        <p:nvSpPr>
+          <p:cNvPr id="14" name="TextBox 13">
+            <a:extLst>
+              <a:ext uri="{FF2B5EF4-FFF2-40B4-BE49-F238E27FC236}">
+                <a16:creationId xmlns:a16="http://schemas.microsoft.com/office/drawing/2014/main" id="{E629A4D0-946A-3266-999C-B72049FA4396}"/>
+              </a:ext>
+            </a:extLst>
+          </p:cNvPr>
+          <p:cNvSpPr txBox="1"/>
+          <p:nvPr/>
+        </p:nvSpPr>
+        <p:spPr>
+          <a:xfrm>
+            <a:off x="0" y="3530252"/>
+            <a:ext cx="2681679" cy="2585323"/>
+          </a:xfrm>
+          <a:prstGeom prst="rect">
+            <a:avLst/>
+          </a:prstGeom>
+          <a:noFill/>
+        </p:spPr>
+        <p:txBody>
+          <a:bodyPr wrap="square" rtlCol="0">
+            <a:spAutoFit/>
+          </a:bodyPr>
+          <a:lstStyle/>
+          <a:p>
+            <a:r>
+              <a:rPr lang="en-US" dirty="0"/>
+              <a:t>The behavior comes from the denominator of the cost function having terms containing the square and cube of distance to receivers – next steps are to penalize fast agent motion to make them look for better local positions</a:t>
+            </a:r>
+          </a:p>
+        </p:txBody>
+      </p:sp>
+    </p:spTree>
+    <p:extLst>
+      <p:ext uri="{BB962C8B-B14F-4D97-AF65-F5344CB8AC3E}">
+        <p14:creationId xmlns:p14="http://schemas.microsoft.com/office/powerpoint/2010/main" val="2035781015"/>
+      </p:ext>
+    </p:extLst>
+  </p:cSld>
+  <p:clrMapOvr>
+    <a:masterClrMapping/>
+  </p:clrMapOvr>
+</p:sld>
+</file>
+
+<file path=ppt/slides/slide6.xml><?xml version="1.0" encoding="utf-8"?>
+<p:sld xmlns:a="http://schemas.openxmlformats.org/drawingml/2006/main" xmlns:r="http://schemas.openxmlformats.org/officeDocument/2006/relationships" xmlns:p="http://schemas.openxmlformats.org/presentationml/2006/main">
+  <p:cSld>
+    <p:spTree>
+      <p:nvGrpSpPr>
+        <p:cNvPr id="1" name=""/>
+        <p:cNvGrpSpPr/>
+        <p:nvPr/>
+      </p:nvGrpSpPr>
+      <p:grpSpPr>
+        <a:xfrm>
+          <a:off x="0" y="0"/>
+          <a:ext cx="0" cy="0"/>
+          <a:chOff x="0" y="0"/>
+          <a:chExt cx="0" cy="0"/>
+        </a:xfrm>
+      </p:grpSpPr>
+      <p:sp>
+        <p:nvSpPr>
+          <p:cNvPr id="6" name="TextBox 5">
+            <a:extLst>
+              <a:ext uri="{FF2B5EF4-FFF2-40B4-BE49-F238E27FC236}">
+                <a16:creationId xmlns:a16="http://schemas.microsoft.com/office/drawing/2014/main" id="{AC457FE2-5A25-FE4A-F315-0330DE57F93C}"/>
+              </a:ext>
+            </a:extLst>
+          </p:cNvPr>
+          <p:cNvSpPr txBox="1"/>
+          <p:nvPr/>
+        </p:nvSpPr>
+        <p:spPr>
+          <a:xfrm>
+            <a:off x="0" y="0"/>
+            <a:ext cx="4665957" cy="369332"/>
+          </a:xfrm>
+          <a:prstGeom prst="rect">
+            <a:avLst/>
+          </a:prstGeom>
+          <a:noFill/>
+        </p:spPr>
+        <p:txBody>
+          <a:bodyPr wrap="none" rtlCol="0">
+            <a:spAutoFit/>
+          </a:bodyPr>
+          <a:lstStyle/>
+          <a:p>
+            <a:pPr marL="285750" indent="-285750">
+              <a:buFont typeface="Arial" panose="020B0604020202020204" pitchFamily="34" charset="0"/>
+              <a:buChar char="•"/>
+            </a:pPr>
+            <a:r>
+              <a:rPr lang="en-US" dirty="0"/>
+              <a:t>Reran on 36 node grid data, got same results</a:t>
+            </a:r>
+          </a:p>
+        </p:txBody>
+      </p:sp>
+      <p:pic>
+        <p:nvPicPr>
+          <p:cNvPr id="4" name="Picture 3" descr="Chart, line chart&#10;&#10;Description automatically generated">
+            <a:extLst>
+              <a:ext uri="{FF2B5EF4-FFF2-40B4-BE49-F238E27FC236}">
+                <a16:creationId xmlns:a16="http://schemas.microsoft.com/office/drawing/2014/main" id="{3C05871C-E903-556F-586A-3A0ED1CDABA7}"/>
+              </a:ext>
+            </a:extLst>
+          </p:cNvPr>
+          <p:cNvPicPr>
+            <a:picLocks noChangeAspect="1"/>
+          </p:cNvPicPr>
+          <p:nvPr/>
+        </p:nvPicPr>
+        <p:blipFill rotWithShape="1">
+          <a:blip r:embed="rId2">
+            <a:extLst>
+              <a:ext uri="{28A0092B-C50C-407E-A947-70E740481C1C}">
+                <a14:useLocalDpi xmlns:a14="http://schemas.microsoft.com/office/drawing/2010/main" val="0"/>
+              </a:ext>
+            </a:extLst>
+          </a:blip>
+          <a:srcRect l="2708" t="2026" r="7950"/>
+          <a:stretch/>
+        </p:blipFill>
+        <p:spPr>
+          <a:xfrm>
+            <a:off x="5796793" y="369332"/>
+            <a:ext cx="3926687" cy="3229545"/>
+          </a:xfrm>
+          <a:prstGeom prst="rect">
+            <a:avLst/>
+          </a:prstGeom>
+        </p:spPr>
+      </p:pic>
+      <p:pic>
+        <p:nvPicPr>
+          <p:cNvPr id="8" name="Picture 7" descr="Chart, scatter chart&#10;&#10;Description automatically generated">
+            <a:extLst>
+              <a:ext uri="{FF2B5EF4-FFF2-40B4-BE49-F238E27FC236}">
+                <a16:creationId xmlns:a16="http://schemas.microsoft.com/office/drawing/2014/main" id="{CD60D357-2410-BE8C-F2FD-2B8672280D69}"/>
+              </a:ext>
+            </a:extLst>
+          </p:cNvPr>
+          <p:cNvPicPr>
+            <a:picLocks noChangeAspect="1"/>
+          </p:cNvPicPr>
+          <p:nvPr/>
+        </p:nvPicPr>
+        <p:blipFill rotWithShape="1">
+          <a:blip r:embed="rId3">
+            <a:extLst>
+              <a:ext uri="{28A0092B-C50C-407E-A947-70E740481C1C}">
+                <a14:useLocalDpi xmlns:a14="http://schemas.microsoft.com/office/drawing/2010/main" val="0"/>
+              </a:ext>
+            </a:extLst>
+          </a:blip>
+          <a:srcRect l="4092" t="3284" r="8422"/>
+          <a:stretch/>
+        </p:blipFill>
+        <p:spPr>
+          <a:xfrm>
+            <a:off x="5917876" y="3699545"/>
+            <a:ext cx="3684519" cy="3054916"/>
+          </a:xfrm>
+          <a:prstGeom prst="rect">
+            <a:avLst/>
+          </a:prstGeom>
+        </p:spPr>
+      </p:pic>
+      <p:pic>
+        <p:nvPicPr>
+          <p:cNvPr id="10" name="Picture 9" descr="Chart, scatter chart&#10;&#10;Description automatically generated">
+            <a:extLst>
+              <a:ext uri="{FF2B5EF4-FFF2-40B4-BE49-F238E27FC236}">
+                <a16:creationId xmlns:a16="http://schemas.microsoft.com/office/drawing/2014/main" id="{253EF227-3D10-AB46-C74C-2C789464DD11}"/>
+              </a:ext>
+            </a:extLst>
+          </p:cNvPr>
+          <p:cNvPicPr>
+            <a:picLocks noChangeAspect="1"/>
+          </p:cNvPicPr>
+          <p:nvPr/>
+        </p:nvPicPr>
+        <p:blipFill rotWithShape="1">
+          <a:blip r:embed="rId4">
+            <a:extLst>
+              <a:ext uri="{28A0092B-C50C-407E-A947-70E740481C1C}">
+                <a14:useLocalDpi xmlns:a14="http://schemas.microsoft.com/office/drawing/2010/main" val="0"/>
+              </a:ext>
+            </a:extLst>
+          </a:blip>
+          <a:srcRect l="5664" t="2445" r="6849" b="6115"/>
+          <a:stretch/>
+        </p:blipFill>
+        <p:spPr>
+          <a:xfrm>
+            <a:off x="1357339" y="402701"/>
+            <a:ext cx="3860614" cy="3026299"/>
+          </a:xfrm>
+          <a:prstGeom prst="rect">
+            <a:avLst/>
+          </a:prstGeom>
+        </p:spPr>
+      </p:pic>
+      <p:pic>
+        <p:nvPicPr>
+          <p:cNvPr id="14" name="Picture 13" descr="Chart&#10;&#10;Description automatically generated">
+            <a:extLst>
+              <a:ext uri="{FF2B5EF4-FFF2-40B4-BE49-F238E27FC236}">
+                <a16:creationId xmlns:a16="http://schemas.microsoft.com/office/drawing/2014/main" id="{B5BD574B-DD0B-36E2-4490-7A1FB77C0679}"/>
+              </a:ext>
+            </a:extLst>
+          </p:cNvPr>
+          <p:cNvPicPr>
+            <a:picLocks noChangeAspect="1"/>
+          </p:cNvPicPr>
+          <p:nvPr/>
+        </p:nvPicPr>
+        <p:blipFill rotWithShape="1">
+          <a:blip r:embed="rId5">
+            <a:extLst>
+              <a:ext uri="{28A0092B-C50C-407E-A947-70E740481C1C}">
+                <a14:useLocalDpi xmlns:a14="http://schemas.microsoft.com/office/drawing/2010/main" val="0"/>
+              </a:ext>
+            </a:extLst>
+          </a:blip>
+          <a:srcRect r="4458"/>
+          <a:stretch/>
+        </p:blipFill>
+        <p:spPr>
+          <a:xfrm>
+            <a:off x="1357339" y="3495338"/>
+            <a:ext cx="4151764" cy="3259123"/>
+          </a:xfrm>
+          <a:prstGeom prst="rect">
+            <a:avLst/>
+          </a:prstGeom>
+        </p:spPr>
+      </p:pic>
+    </p:spTree>
+    <p:extLst>
+      <p:ext uri="{BB962C8B-B14F-4D97-AF65-F5344CB8AC3E}">
+        <p14:creationId xmlns:p14="http://schemas.microsoft.com/office/powerpoint/2010/main" val="1614094977"/>
+      </p:ext>
+    </p:extLst>
+  </p:cSld>
+  <p:clrMapOvr>
+    <a:masterClrMapping/>
+  </p:clrMapOvr>
+</p:sld>
+</file>
+
+<file path=ppt/slides/slide7.xml><?xml version="1.0" encoding="utf-8"?>
+<p:sld xmlns:a="http://schemas.openxmlformats.org/drawingml/2006/main" xmlns:r="http://schemas.openxmlformats.org/officeDocument/2006/relationships" xmlns:p="http://schemas.openxmlformats.org/presentationml/2006/main">
+  <p:cSld>
+    <p:spTree>
+      <p:nvGrpSpPr>
+        <p:cNvPr id="1" name=""/>
+        <p:cNvGrpSpPr/>
+        <p:nvPr/>
+      </p:nvGrpSpPr>
+      <p:grpSpPr>
+        <a:xfrm>
+          <a:off x="0" y="0"/>
+          <a:ext cx="0" cy="0"/>
+          <a:chOff x="0" y="0"/>
+          <a:chExt cx="0" cy="0"/>
+        </a:xfrm>
+      </p:grpSpPr>
+      <p:sp>
+        <p:nvSpPr>
+          <p:cNvPr id="2" name="Title 1">
+            <a:extLst>
+              <a:ext uri="{FF2B5EF4-FFF2-40B4-BE49-F238E27FC236}">
+                <a16:creationId xmlns:a16="http://schemas.microsoft.com/office/drawing/2014/main" id="{03BB1FF6-8C60-B117-61F3-D9011CD8C643}"/>
+              </a:ext>
+            </a:extLst>
+          </p:cNvPr>
+          <p:cNvSpPr>
+            <a:spLocks noGrp="1"/>
+          </p:cNvSpPr>
+          <p:nvPr>
+            <p:ph type="title"/>
+          </p:nvPr>
+        </p:nvSpPr>
+        <p:spPr/>
+        <p:txBody>
+          <a:bodyPr/>
+          <a:lstStyle/>
+          <a:p>
+            <a:endParaRPr lang="en-US"/>
+          </a:p>
+        </p:txBody>
+      </p:sp>
+      <p:sp>
+        <p:nvSpPr>
+          <p:cNvPr id="3" name="Content Placeholder 2">
+            <a:extLst>
+              <a:ext uri="{FF2B5EF4-FFF2-40B4-BE49-F238E27FC236}">
+                <a16:creationId xmlns:a16="http://schemas.microsoft.com/office/drawing/2014/main" id="{88B9F0FF-7BE9-74FE-B6D3-373EF440DA00}"/>
+              </a:ext>
+            </a:extLst>
+          </p:cNvPr>
+          <p:cNvSpPr>
+            <a:spLocks noGrp="1"/>
+          </p:cNvSpPr>
+          <p:nvPr>
+            <p:ph idx="1"/>
+          </p:nvPr>
+        </p:nvSpPr>
+        <p:spPr/>
+        <p:txBody>
+          <a:bodyPr/>
+          <a:lstStyle/>
+          <a:p>
+            <a:endParaRPr lang="en-US"/>
+          </a:p>
+        </p:txBody>
+      </p:sp>
+    </p:spTree>
+    <p:extLst>
+      <p:ext uri="{BB962C8B-B14F-4D97-AF65-F5344CB8AC3E}">
+        <p14:creationId xmlns:p14="http://schemas.microsoft.com/office/powerpoint/2010/main" val="335465150"/>
       </p:ext>
     </p:extLst>
   </p:cSld>
